--- a/capstone2.pptx
+++ b/capstone2.pptx
@@ -12659,15 +12659,7 @@
           <a:p>
             <a:r>
               <a:rPr lang="en-US" dirty="0"/>
-              <a:t>&lt;insert </a:t>
-            </a:r>
-            <a:r>
-              <a:rPr lang="en-US" dirty="0" err="1"/>
-              <a:t>github</a:t>
-            </a:r>
-            <a:r>
-              <a:rPr lang="en-US" dirty="0"/>
-              <a:t> link&gt;</a:t>
+              <a:t>https://github.com/stevenlray/workplaceAttritionModeling</a:t>
             </a:r>
           </a:p>
         </p:txBody>
@@ -15884,7 +15876,7 @@
         </p:nvSpPr>
         <p:spPr>
           <a:xfrm>
-            <a:off x="4919472" y="1056362"/>
+            <a:off x="4654293" y="1112767"/>
             <a:ext cx="6627226" cy="1154102"/>
           </a:xfrm>
         </p:spPr>
@@ -15900,7 +15892,7 @@
               </a:lnSpc>
             </a:pPr>
             <a:r>
-              <a:rPr lang="en-US" sz="3600">
+              <a:rPr lang="en-US" sz="3600" dirty="0">
                 <a:solidFill>
                   <a:schemeClr val="tx1">
                     <a:lumMod val="75000"/>
@@ -15994,7 +15986,7 @@
         </p:nvSpPr>
         <p:spPr>
           <a:xfrm>
-            <a:off x="4921856" y="2268656"/>
+            <a:off x="4640436" y="2239295"/>
             <a:ext cx="7302147" cy="3505938"/>
           </a:xfrm>
         </p:spPr>
@@ -16010,7 +16002,7 @@
               </a:lnSpc>
             </a:pPr>
             <a:r>
-              <a:rPr lang="en-US" dirty="0"/>
+              <a:rPr lang="en-US" sz="2000" dirty="0"/>
               <a:t>A logistic regression model was trained with all remaining features</a:t>
             </a:r>
           </a:p>
@@ -16020,7 +16012,7 @@
                 <a:spcPct val="130000"/>
               </a:lnSpc>
             </a:pPr>
-            <a:endParaRPr lang="en-US" dirty="0"/>
+            <a:endParaRPr lang="en-US" sz="2000" dirty="0"/>
           </a:p>
           <a:p>
             <a:pPr>
@@ -16029,7 +16021,7 @@
               </a:lnSpc>
             </a:pPr>
             <a:r>
-              <a:rPr lang="en-US" dirty="0"/>
+              <a:rPr lang="en-US" sz="2000" dirty="0"/>
               <a:t>Based on the coefficients of the resultant model, 3 additional features were dropped</a:t>
             </a:r>
           </a:p>

--- a/capstone2.pptx
+++ b/capstone2.pptx
@@ -232,7 +232,7 @@
           <a:p>
             <a:fld id="{367A1AC4-3AE8-4F87-AAED-904EC6054702}" type="datetimeFigureOut">
               <a:rPr lang="en-US" smtClean="0"/>
-              <a:t>10/13/2024</a:t>
+              <a:t>10/14/2024</a:t>
             </a:fld>
             <a:endParaRPr lang="en-US" dirty="0"/>
           </a:p>
@@ -409,7 +409,7 @@
           <a:p>
             <a:fld id="{C5556653-6123-4FE4-861F-5F9583BF59B0}" type="datetimeFigureOut">
               <a:rPr lang="en-US" smtClean="0"/>
-              <a:t>10/13/2024</a:t>
+              <a:t>10/14/2024</a:t>
             </a:fld>
             <a:endParaRPr lang="en-US" dirty="0"/>
           </a:p>
@@ -9350,7 +9350,7 @@
           <a:p>
             <a:fld id="{005CD215-1C45-48A0-8534-39FFE8A7C95A}" type="datetime1">
               <a:rPr lang="en-US" smtClean="0"/>
-              <a:t>10/13/2024</a:t>
+              <a:t>10/14/2024</a:t>
             </a:fld>
             <a:endParaRPr lang="en-US" dirty="0"/>
           </a:p>
@@ -14157,7 +14157,7 @@
               </a:lnSpc>
             </a:pPr>
             <a:r>
-              <a:rPr lang="en-US" sz="3600" cap="all">
+              <a:rPr lang="en-US" sz="3600" cap="all" dirty="0">
                 <a:solidFill>
                   <a:schemeClr val="tx1">
                     <a:lumMod val="75000"/>
@@ -14268,11 +14268,21 @@
             </a:pPr>
             <a:r>
               <a:rPr lang="en-US" dirty="0"/>
-              <a:t>The data was found at </a:t>
+              <a:t>The </a:t>
             </a:r>
             <a:r>
               <a:rPr lang="en-US" dirty="0">
                 <a:hlinkClick r:id="rId4"/>
+              </a:rPr>
+              <a:t>data</a:t>
+            </a:r>
+            <a:r>
+              <a:rPr lang="en-US" dirty="0"/>
+              <a:t> was found at </a:t>
+            </a:r>
+            <a:r>
+              <a:rPr lang="en-US" dirty="0">
+                <a:hlinkClick r:id="rId5"/>
               </a:rPr>
               <a:t>https://www.kaggle.com/datasets/colearninglounge/employee-attrition</a:t>
             </a:r>
@@ -14297,7 +14307,7 @@
             </a:pPr>
             <a:r>
               <a:rPr lang="en-US" dirty="0"/>
-              <a:t>Within the dataset we have current of exited employees (tagged as such) with features such as Age, Gender, a Work Life Balance metric, etc.</a:t>
+              <a:t>Within the dataset we have current and exited employees (tagged as such) with features such as Age, Gender, a Work Life Balance metric, etc.</a:t>
             </a:r>
           </a:p>
         </p:txBody>
@@ -17717,13 +17727,13 @@
         </p:nvSpPr>
         <p:spPr>
           <a:xfrm>
-            <a:off x="7641570" y="1494846"/>
-            <a:ext cx="4472756" cy="4267646"/>
+            <a:off x="7641570" y="1095505"/>
+            <a:ext cx="4472756" cy="5048899"/>
           </a:xfrm>
         </p:spPr>
         <p:txBody>
           <a:bodyPr vert="horz" lIns="109728" tIns="109728" rIns="109728" bIns="91440" rtlCol="0" anchor="t">
-            <a:normAutofit/>
+            <a:normAutofit lnSpcReduction="10000"/>
           </a:bodyPr>
           <a:lstStyle/>
           <a:p>
@@ -17733,18 +17743,104 @@
               </a:lnSpc>
             </a:pPr>
             <a:r>
-              <a:rPr lang="en-US" sz="1700">
+              <a:rPr lang="en-US" sz="1700" dirty="0">
                 <a:solidFill>
                   <a:schemeClr val="bg1"/>
                 </a:solidFill>
               </a:rPr>
-              <a:t>A Parameter-Tuned Liblinear Logistic Regression model was the best performer</a:t>
-            </a:r>
+              <a:t>A Parameter-Tuned </a:t>
+            </a:r>
+            <a:r>
+              <a:rPr lang="en-US" sz="1700" dirty="0" err="1">
+                <a:solidFill>
+                  <a:schemeClr val="bg1"/>
+                </a:solidFill>
+              </a:rPr>
+              <a:t>Liblinear</a:t>
+            </a:r>
+            <a:r>
+              <a:rPr lang="en-US" sz="1700" dirty="0">
+                <a:solidFill>
+                  <a:schemeClr val="bg1"/>
+                </a:solidFill>
+              </a:rPr>
+              <a:t> Logistic Regression model was the best performer</a:t>
+            </a:r>
+          </a:p>
+          <a:p>
+            <a:pPr>
+              <a:lnSpc>
+                <a:spcPct val="140000"/>
+              </a:lnSpc>
+            </a:pPr>
             <a:endParaRPr lang="en-US" sz="1700" i="1" dirty="0">
               <a:solidFill>
                 <a:schemeClr val="bg1"/>
               </a:solidFill>
             </a:endParaRPr>
+          </a:p>
+          <a:p>
+            <a:pPr>
+              <a:lnSpc>
+                <a:spcPct val="140000"/>
+              </a:lnSpc>
+            </a:pPr>
+            <a:endParaRPr lang="en-US" sz="1700" i="1" dirty="0">
+              <a:solidFill>
+                <a:schemeClr val="bg1"/>
+              </a:solidFill>
+            </a:endParaRPr>
+          </a:p>
+          <a:p>
+            <a:pPr>
+              <a:lnSpc>
+                <a:spcPct val="140000"/>
+              </a:lnSpc>
+            </a:pPr>
+            <a:endParaRPr lang="en-US" sz="1700" i="1" dirty="0">
+              <a:solidFill>
+                <a:schemeClr val="bg1"/>
+              </a:solidFill>
+            </a:endParaRPr>
+          </a:p>
+          <a:p>
+            <a:pPr>
+              <a:lnSpc>
+                <a:spcPct val="140000"/>
+              </a:lnSpc>
+            </a:pPr>
+            <a:endParaRPr lang="en-US" sz="1700" i="1" dirty="0">
+              <a:solidFill>
+                <a:schemeClr val="bg1"/>
+              </a:solidFill>
+            </a:endParaRPr>
+          </a:p>
+          <a:p>
+            <a:pPr>
+              <a:lnSpc>
+                <a:spcPct val="140000"/>
+              </a:lnSpc>
+            </a:pPr>
+            <a:endParaRPr lang="en-US" sz="1700" i="1" dirty="0">
+              <a:solidFill>
+                <a:schemeClr val="bg1"/>
+              </a:solidFill>
+            </a:endParaRPr>
+          </a:p>
+          <a:p>
+            <a:pPr>
+              <a:lnSpc>
+                <a:spcPct val="140000"/>
+              </a:lnSpc>
+            </a:pPr>
+            <a:r>
+              <a:rPr lang="en-US" sz="1700" b="1" i="1" dirty="0">
+                <a:solidFill>
+                  <a:schemeClr val="bg1"/>
+                </a:solidFill>
+              </a:rPr>
+              <a:t>Given these accuracy scores, we can expect predictive modeling to be a valuable aid in employee retention</a:t>
+            </a:r>
           </a:p>
         </p:txBody>
       </p:sp>
@@ -17926,7 +18022,7 @@
         </p:blipFill>
         <p:spPr>
           <a:xfrm>
-            <a:off x="7638159" y="2965231"/>
+            <a:off x="7638159" y="2342087"/>
             <a:ext cx="4468257" cy="2146415"/>
           </a:xfrm>
           <a:prstGeom prst="rect">
@@ -18721,6 +18817,15 @@
 </file>
 
 <file path=customXml/item1.xml><?xml version="1.0" encoding="utf-8"?>
+<?mso-contentType ?>
+<FormTemplates xmlns="http://schemas.microsoft.com/sharepoint/v3/contenttype/forms">
+  <Display>DocumentLibraryForm</Display>
+  <Edit>DocumentLibraryForm</Edit>
+  <New>DocumentLibraryForm</New>
+</FormTemplates>
+</file>
+
+<file path=customXml/item2.xml><?xml version="1.0" encoding="utf-8"?>
 <p:properties xmlns:p="http://schemas.microsoft.com/office/2006/metadata/properties" xmlns:xsi="http://www.w3.org/2001/XMLSchema-instance" xmlns:pc="http://schemas.microsoft.com/office/infopath/2007/PartnerControls">
   <documentManagement>
     <_ip_UnifiedCompliancePolicyUIAction xmlns="http://schemas.microsoft.com/sharepoint/v3" xsi:nil="true"/>
@@ -18738,15 +18843,6 @@
     <MediaServiceKeyPoints xmlns="71af3243-3dd4-4a8d-8c0d-dd76da1f02a5" xsi:nil="true"/>
   </documentManagement>
 </p:properties>
-</file>
-
-<file path=customXml/item2.xml><?xml version="1.0" encoding="utf-8"?>
-<?mso-contentType ?>
-<FormTemplates xmlns="http://schemas.microsoft.com/sharepoint/v3/contenttype/forms">
-  <Display>DocumentLibraryForm</Display>
-  <Edit>DocumentLibraryForm</Edit>
-  <New>DocumentLibraryForm</New>
-</FormTemplates>
 </file>
 
 <file path=customXml/item3.xml><?xml version="1.0" encoding="utf-8"?>
@@ -19062,6 +19158,14 @@
 </file>
 
 <file path=customXml/itemProps1.xml><?xml version="1.0" encoding="utf-8"?>
+<ds:datastoreItem xmlns:ds="http://schemas.openxmlformats.org/officeDocument/2006/customXml" ds:itemID="{6F36CB81-A037-44A8-88EB-C0C0F17FD4B1}">
+  <ds:schemaRefs>
+    <ds:schemaRef ds:uri="http://schemas.microsoft.com/sharepoint/v3/contenttype/forms"/>
+  </ds:schemaRefs>
+</ds:datastoreItem>
+</file>
+
+<file path=customXml/itemProps2.xml><?xml version="1.0" encoding="utf-8"?>
 <ds:datastoreItem xmlns:ds="http://schemas.openxmlformats.org/officeDocument/2006/customXml" ds:itemID="{57FF477C-132F-44F8-8C56-EBFF95FAF97B}">
   <ds:schemaRefs>
     <ds:schemaRef ds:uri="http://schemas.microsoft.com/office/2006/metadata/properties"/>
@@ -19069,14 +19173,6 @@
     <ds:schemaRef ds:uri="http://schemas.microsoft.com/sharepoint/v3"/>
     <ds:schemaRef ds:uri="71af3243-3dd4-4a8d-8c0d-dd76da1f02a5"/>
     <ds:schemaRef ds:uri="230e9df3-be65-4c73-a93b-d1236ebd677e"/>
-  </ds:schemaRefs>
-</ds:datastoreItem>
-</file>
-
-<file path=customXml/itemProps2.xml><?xml version="1.0" encoding="utf-8"?>
-<ds:datastoreItem xmlns:ds="http://schemas.openxmlformats.org/officeDocument/2006/customXml" ds:itemID="{6F36CB81-A037-44A8-88EB-C0C0F17FD4B1}">
-  <ds:schemaRefs>
-    <ds:schemaRef ds:uri="http://schemas.microsoft.com/sharepoint/v3/contenttype/forms"/>
   </ds:schemaRefs>
 </ds:datastoreItem>
 </file>
